--- a/database/week11/db_ch7_실습 (2).pptx
+++ b/database/week11/db_ch7_실습 (2).pptx
@@ -6,13 +6,14 @@
     <p:sldMasterId id="2147483783" r:id="rId2"/>
   </p:sldMasterIdLst>
   <p:notesMasterIdLst>
-    <p:notesMasterId r:id="rId4"/>
+    <p:notesMasterId r:id="rId5"/>
   </p:notesMasterIdLst>
   <p:handoutMasterIdLst>
-    <p:handoutMasterId r:id="rId5"/>
+    <p:handoutMasterId r:id="rId6"/>
   </p:handoutMasterIdLst>
   <p:sldIdLst>
     <p:sldId id="1169" r:id="rId3"/>
+    <p:sldId id="1170" r:id="rId4"/>
   </p:sldIdLst>
   <p:sldSz cx="9144000" cy="6858000" type="screen4x3"/>
   <p:notesSz cx="10234613" cy="7099300"/>
@@ -1540,7 +1541,7 @@
             <a:fld id="{A5DCCBE9-CFC9-472D-A947-A89536A096CE}" type="datetime1">
               <a:rPr lang="en-US" altLang="ko-KR"/>
               <a:pPr/>
-              <a:t>10/31/2020</a:t>
+              <a:t>11/18/21</a:t>
             </a:fld>
             <a:endParaRPr lang="en-US" altLang="ko-KR"/>
           </a:p>
@@ -1723,7 +1724,7 @@
             <a:fld id="{6F18ED4D-A8B8-4B9F-AC01-39F707BCB17F}" type="datetime1">
               <a:rPr lang="en-US" altLang="ko-KR"/>
               <a:pPr/>
-              <a:t>10/31/2020</a:t>
+              <a:t>11/18/21</a:t>
             </a:fld>
             <a:endParaRPr lang="en-US" altLang="ko-KR"/>
           </a:p>
@@ -1875,7 +1876,7 @@
             <a:fld id="{B1D048A0-9486-4638-89BE-5ADA0AE1E444}" type="datetime1">
               <a:rPr lang="en-US" altLang="ko-KR"/>
               <a:pPr/>
-              <a:t>10/31/2020</a:t>
+              <a:t>11/18/21</a:t>
             </a:fld>
             <a:endParaRPr lang="en-US" altLang="ko-KR"/>
           </a:p>
@@ -2083,7 +2084,7 @@
               <a:pPr>
                 <a:defRPr/>
               </a:pPr>
-              <a:t>10/31/2020</a:t>
+              <a:t>11/18/21</a:t>
             </a:fld>
             <a:endParaRPr lang="en-US" altLang="ko-KR"/>
           </a:p>
@@ -2273,7 +2274,7 @@
               <a:pPr>
                 <a:defRPr/>
               </a:pPr>
-              <a:t>10/31/2020</a:t>
+              <a:t>11/18/21</a:t>
             </a:fld>
             <a:endParaRPr lang="en-US" altLang="ko-KR"/>
           </a:p>
@@ -2540,7 +2541,7 @@
               <a:pPr>
                 <a:defRPr/>
               </a:pPr>
-              <a:t>10/31/2020</a:t>
+              <a:t>11/18/21</a:t>
             </a:fld>
             <a:endParaRPr lang="en-US" altLang="ko-KR"/>
           </a:p>
@@ -2847,7 +2848,7 @@
               <a:pPr>
                 <a:defRPr/>
               </a:pPr>
-              <a:t>10/31/2020</a:t>
+              <a:t>11/18/21</a:t>
             </a:fld>
             <a:endParaRPr lang="en-US" altLang="ko-KR"/>
           </a:p>
@@ -3288,7 +3289,7 @@
               <a:pPr>
                 <a:defRPr/>
               </a:pPr>
-              <a:t>10/31/2020</a:t>
+              <a:t>11/18/21</a:t>
             </a:fld>
             <a:endParaRPr lang="en-US" altLang="ko-KR"/>
           </a:p>
@@ -3427,7 +3428,7 @@
               <a:pPr>
                 <a:defRPr/>
               </a:pPr>
-              <a:t>10/31/2020</a:t>
+              <a:t>11/18/21</a:t>
             </a:fld>
             <a:endParaRPr lang="en-US" altLang="ko-KR"/>
           </a:p>
@@ -3544,7 +3545,7 @@
               <a:pPr>
                 <a:defRPr/>
               </a:pPr>
-              <a:t>10/31/2020</a:t>
+              <a:t>11/18/21</a:t>
             </a:fld>
             <a:endParaRPr lang="en-US" altLang="ko-KR"/>
           </a:p>
@@ -3784,7 +3785,7 @@
             <a:fld id="{79D514C4-7AEF-4CE1-8461-2E90743D3BB7}" type="datetime1">
               <a:rPr lang="en-US" altLang="ko-KR"/>
               <a:pPr/>
-              <a:t>10/31/2020</a:t>
+              <a:t>11/18/21</a:t>
             </a:fld>
             <a:endParaRPr lang="en-US" altLang="ko-KR"/>
           </a:p>
@@ -4027,7 +4028,7 @@
               <a:pPr>
                 <a:defRPr/>
               </a:pPr>
-              <a:t>10/31/2020</a:t>
+              <a:t>11/18/21</a:t>
             </a:fld>
             <a:endParaRPr lang="en-US" altLang="ko-KR"/>
           </a:p>
@@ -4304,7 +4305,7 @@
               <a:pPr>
                 <a:defRPr/>
               </a:pPr>
-              <a:t>10/31/2020</a:t>
+              <a:t>11/18/21</a:t>
             </a:fld>
             <a:endParaRPr lang="en-US" altLang="ko-KR"/>
           </a:p>
@@ -4494,7 +4495,7 @@
               <a:pPr>
                 <a:defRPr/>
               </a:pPr>
-              <a:t>10/31/2020</a:t>
+              <a:t>11/18/21</a:t>
             </a:fld>
             <a:endParaRPr lang="en-US" altLang="ko-KR"/>
           </a:p>
@@ -4694,7 +4695,7 @@
               <a:pPr>
                 <a:defRPr/>
               </a:pPr>
-              <a:t>10/31/2020</a:t>
+              <a:t>11/18/21</a:t>
             </a:fld>
             <a:endParaRPr lang="en-US" altLang="ko-KR"/>
           </a:p>
@@ -4944,7 +4945,7 @@
             <a:fld id="{9F40C2DE-6EC1-413A-BF0C-E96F76149B0E}" type="datetime1">
               <a:rPr lang="en-US" altLang="ko-KR"/>
               <a:pPr/>
-              <a:t>10/31/2020</a:t>
+              <a:t>11/18/21</a:t>
             </a:fld>
             <a:endParaRPr lang="en-US" altLang="ko-KR"/>
           </a:p>
@@ -5234,7 +5235,7 @@
             <a:fld id="{82A9E90A-0179-404B-A8F5-20B4E864B0AB}" type="datetime1">
               <a:rPr lang="en-US" altLang="ko-KR"/>
               <a:pPr/>
-              <a:t>10/31/2020</a:t>
+              <a:t>11/18/21</a:t>
             </a:fld>
             <a:endParaRPr lang="en-US" altLang="ko-KR"/>
           </a:p>
@@ -5663,7 +5664,7 @@
             <a:fld id="{E77BA4E3-7CBC-4217-8B31-9A1DE44ABBB4}" type="datetime1">
               <a:rPr lang="en-US" altLang="ko-KR"/>
               <a:pPr/>
-              <a:t>10/31/2020</a:t>
+              <a:t>11/18/21</a:t>
             </a:fld>
             <a:endParaRPr lang="en-US" altLang="ko-KR"/>
           </a:p>
@@ -5785,7 +5786,7 @@
             <a:fld id="{A5FE58FE-97AF-4648-AA30-90210A4A04C0}" type="datetime1">
               <a:rPr lang="en-US" altLang="ko-KR"/>
               <a:pPr/>
-              <a:t>10/31/2020</a:t>
+              <a:t>11/18/21</a:t>
             </a:fld>
             <a:endParaRPr lang="en-US" altLang="ko-KR"/>
           </a:p>
@@ -5885,7 +5886,7 @@
             <a:fld id="{C1C0D638-140F-471F-844C-2B5B22B32AF0}" type="datetime1">
               <a:rPr lang="en-US" altLang="ko-KR"/>
               <a:pPr/>
-              <a:t>10/31/2020</a:t>
+              <a:t>11/18/21</a:t>
             </a:fld>
             <a:endParaRPr lang="en-US" altLang="ko-KR"/>
           </a:p>
@@ -6165,7 +6166,7 @@
             <a:fld id="{4AA2621D-3BB3-4C4D-B817-336DC509CD56}" type="datetime1">
               <a:rPr lang="en-US" altLang="ko-KR"/>
               <a:pPr/>
-              <a:t>10/31/2020</a:t>
+              <a:t>11/18/21</a:t>
             </a:fld>
             <a:endParaRPr lang="en-US" altLang="ko-KR"/>
           </a:p>
@@ -6423,7 +6424,7 @@
             <a:fld id="{6F9D61BD-859D-47B5-8CCF-DF467A066623}" type="datetime1">
               <a:rPr lang="en-US" altLang="ko-KR"/>
               <a:pPr/>
-              <a:t>10/31/2020</a:t>
+              <a:t>11/18/21</a:t>
             </a:fld>
             <a:endParaRPr lang="en-US" altLang="ko-KR"/>
           </a:p>
@@ -6984,7 +6985,7 @@
             <a:fld id="{C87C7291-55DF-454F-8558-7B6A2E0F9452}" type="datetime1">
               <a:rPr lang="en-US" altLang="ko-KR"/>
               <a:pPr/>
-              <a:t>10/31/2020</a:t>
+              <a:t>11/18/21</a:t>
             </a:fld>
             <a:endParaRPr lang="en-US" altLang="ko-KR"/>
           </a:p>
@@ -7641,7 +7642,7 @@
               <a:pPr>
                 <a:defRPr/>
               </a:pPr>
-              <a:t>10/31/2020</a:t>
+              <a:t>11/18/21</a:t>
             </a:fld>
             <a:endParaRPr lang="en-US" altLang="ko-KR"/>
           </a:p>
@@ -8273,7 +8274,7 @@
             <a:fld id="{79D514C4-7AEF-4CE1-8461-2E90743D3BB7}" type="datetime1">
               <a:rPr lang="en-US" altLang="ko-KR" smtClean="0"/>
               <a:pPr/>
-              <a:t>10/31/2020</a:t>
+              <a:t>11/18/21</a:t>
             </a:fld>
             <a:endParaRPr lang="en-US" altLang="ko-KR"/>
           </a:p>
@@ -8399,6 +8400,172 @@
     <p:extLst>
       <p:ext uri="{BB962C8B-B14F-4D97-AF65-F5344CB8AC3E}">
         <p14:creationId xmlns:p14="http://schemas.microsoft.com/office/powerpoint/2010/main" val="425274347"/>
+      </p:ext>
+    </p:extLst>
+  </p:cSld>
+  <p:clrMapOvr>
+    <a:masterClrMapping/>
+  </p:clrMapOvr>
+</p:sld>
+</file>
+
+<file path=ppt/slides/slide2.xml><?xml version="1.0" encoding="utf-8"?>
+<p:sld xmlns:a="http://schemas.openxmlformats.org/drawingml/2006/main" xmlns:r="http://schemas.openxmlformats.org/officeDocument/2006/relationships" xmlns:p="http://schemas.openxmlformats.org/presentationml/2006/main">
+  <p:cSld>
+    <p:spTree>
+      <p:nvGrpSpPr>
+        <p:cNvPr id="1" name=""/>
+        <p:cNvGrpSpPr/>
+        <p:nvPr/>
+      </p:nvGrpSpPr>
+      <p:grpSpPr>
+        <a:xfrm>
+          <a:off x="0" y="0"/>
+          <a:ext cx="0" cy="0"/>
+          <a:chOff x="0" y="0"/>
+          <a:chExt cx="0" cy="0"/>
+        </a:xfrm>
+      </p:grpSpPr>
+      <p:sp>
+        <p:nvSpPr>
+          <p:cNvPr id="2" name="제목 1">
+            <a:extLst>
+              <a:ext uri="{FF2B5EF4-FFF2-40B4-BE49-F238E27FC236}">
+                <a16:creationId xmlns:a16="http://schemas.microsoft.com/office/drawing/2014/main" id="{7B4C5442-5876-3240-B921-B5A438C0BDE1}"/>
+              </a:ext>
+            </a:extLst>
+          </p:cNvPr>
+          <p:cNvSpPr>
+            <a:spLocks noGrp="1"/>
+          </p:cNvSpPr>
+          <p:nvPr>
+            <p:ph type="title"/>
+          </p:nvPr>
+        </p:nvSpPr>
+        <p:spPr/>
+        <p:txBody>
+          <a:bodyPr/>
+          <a:lstStyle/>
+          <a:p>
+            <a:endParaRPr kumimoji="1" lang="ko-Kore-KR" altLang="en-US"/>
+          </a:p>
+        </p:txBody>
+      </p:sp>
+      <p:sp>
+        <p:nvSpPr>
+          <p:cNvPr id="3" name="내용 개체 틀 2">
+            <a:extLst>
+              <a:ext uri="{FF2B5EF4-FFF2-40B4-BE49-F238E27FC236}">
+                <a16:creationId xmlns:a16="http://schemas.microsoft.com/office/drawing/2014/main" id="{C155401D-C426-EE44-B250-28828C5B9F3C}"/>
+              </a:ext>
+            </a:extLst>
+          </p:cNvPr>
+          <p:cNvSpPr>
+            <a:spLocks noGrp="1"/>
+          </p:cNvSpPr>
+          <p:nvPr>
+            <p:ph idx="1"/>
+          </p:nvPr>
+        </p:nvSpPr>
+        <p:spPr/>
+        <p:txBody>
+          <a:bodyPr/>
+          <a:lstStyle/>
+          <a:p>
+            <a:endParaRPr kumimoji="1" lang="ko-Kore-KR" altLang="en-US"/>
+          </a:p>
+        </p:txBody>
+      </p:sp>
+      <p:sp>
+        <p:nvSpPr>
+          <p:cNvPr id="4" name="날짜 개체 틀 3">
+            <a:extLst>
+              <a:ext uri="{FF2B5EF4-FFF2-40B4-BE49-F238E27FC236}">
+                <a16:creationId xmlns:a16="http://schemas.microsoft.com/office/drawing/2014/main" id="{15BA0670-DCDF-BC44-B557-902947E2D2C4}"/>
+              </a:ext>
+            </a:extLst>
+          </p:cNvPr>
+          <p:cNvSpPr>
+            <a:spLocks noGrp="1"/>
+          </p:cNvSpPr>
+          <p:nvPr>
+            <p:ph type="dt" sz="half" idx="11"/>
+          </p:nvPr>
+        </p:nvSpPr>
+        <p:spPr/>
+        <p:txBody>
+          <a:bodyPr/>
+          <a:lstStyle/>
+          <a:p>
+            <a:fld id="{233C67D8-9D08-40A7-B52C-3DAA0A47CCBE}" type="slidenum">
+              <a:rPr lang="en-US" altLang="ko-KR" smtClean="0"/>
+              <a:pPr/>
+              <a:t>2</a:t>
+            </a:fld>
+            <a:r>
+              <a:rPr lang="en-US" altLang="ko-KR"/>
+              <a:t>  &gt;  </a:t>
+            </a:r>
+            <a:fld id="{79D514C4-7AEF-4CE1-8461-2E90743D3BB7}" type="datetime1">
+              <a:rPr lang="en-US" altLang="ko-KR" smtClean="0"/>
+              <a:pPr/>
+              <a:t>11/18/21</a:t>
+            </a:fld>
+            <a:endParaRPr lang="en-US" altLang="ko-KR"/>
+          </a:p>
+        </p:txBody>
+      </p:sp>
+      <p:pic>
+        <p:nvPicPr>
+          <p:cNvPr id="5" name="_x346766912" descr="EMB00010eb04044">
+            <a:extLst>
+              <a:ext uri="{FF2B5EF4-FFF2-40B4-BE49-F238E27FC236}">
+                <a16:creationId xmlns:a16="http://schemas.microsoft.com/office/drawing/2014/main" id="{19FFB53D-5B20-C94D-8922-98B1ACB229B1}"/>
+              </a:ext>
+            </a:extLst>
+          </p:cNvPr>
+          <p:cNvPicPr>
+            <a:picLocks noChangeAspect="1" noChangeArrowheads="1"/>
+          </p:cNvPicPr>
+          <p:nvPr/>
+        </p:nvPicPr>
+        <p:blipFill>
+          <a:blip r:embed="rId2">
+            <a:extLst>
+              <a:ext uri="{28A0092B-C50C-407E-A947-70E740481C1C}">
+                <a14:useLocalDpi xmlns:a14="http://schemas.microsoft.com/office/drawing/2010/main" val="0"/>
+              </a:ext>
+            </a:extLst>
+          </a:blip>
+          <a:srcRect/>
+          <a:stretch>
+            <a:fillRect/>
+          </a:stretch>
+        </p:blipFill>
+        <p:spPr bwMode="auto">
+          <a:xfrm>
+            <a:off x="583602" y="2731352"/>
+            <a:ext cx="7976796" cy="3890111"/>
+          </a:xfrm>
+          <a:prstGeom prst="rect">
+            <a:avLst/>
+          </a:prstGeom>
+          <a:noFill/>
+          <a:extLst>
+            <a:ext uri="{909E8E84-426E-40DD-AFC4-6F175D3DCCD1}">
+              <a14:hiddenFill xmlns:a14="http://schemas.microsoft.com/office/drawing/2010/main">
+                <a:solidFill>
+                  <a:srgbClr val="FFFFFF"/>
+                </a:solidFill>
+              </a14:hiddenFill>
+            </a:ext>
+          </a:extLst>
+        </p:spPr>
+      </p:pic>
+    </p:spTree>
+    <p:extLst>
+      <p:ext uri="{BB962C8B-B14F-4D97-AF65-F5344CB8AC3E}">
+        <p14:creationId xmlns:p14="http://schemas.microsoft.com/office/powerpoint/2010/main" val="1139989489"/>
       </p:ext>
     </p:extLst>
   </p:cSld>
